--- a/Pipeline.pptx
+++ b/Pipeline.pptx
@@ -7,6 +7,7 @@
   <p:sldIdLst>
     <p:sldId id="257" r:id="rId2"/>
     <p:sldId id="258" r:id="rId3"/>
+    <p:sldId id="259" r:id="rId4"/>
   </p:sldIdLst>
   <p:sldSz cx="9144000" cy="6858000" type="screen4x3"/>
   <p:notesSz cx="6858000" cy="9144000"/>
@@ -337,7 +338,7 @@
           <a:p>
             <a:fld id="{1EF8B7AD-2541-4F3F-991C-D74ABA8B9E18}" type="datetimeFigureOut">
               <a:rPr lang="en-US" smtClean="0"/>
-              <a:t>10/4/2020</a:t>
+              <a:t>1/16/2021</a:t>
             </a:fld>
             <a:endParaRPr lang="en-US"/>
           </a:p>
@@ -507,7 +508,7 @@
           <a:p>
             <a:fld id="{1EF8B7AD-2541-4F3F-991C-D74ABA8B9E18}" type="datetimeFigureOut">
               <a:rPr lang="en-US" smtClean="0"/>
-              <a:t>10/4/2020</a:t>
+              <a:t>1/16/2021</a:t>
             </a:fld>
             <a:endParaRPr lang="en-US"/>
           </a:p>
@@ -687,7 +688,7 @@
           <a:p>
             <a:fld id="{1EF8B7AD-2541-4F3F-991C-D74ABA8B9E18}" type="datetimeFigureOut">
               <a:rPr lang="en-US" smtClean="0"/>
-              <a:t>10/4/2020</a:t>
+              <a:t>1/16/2021</a:t>
             </a:fld>
             <a:endParaRPr lang="en-US"/>
           </a:p>
@@ -857,7 +858,7 @@
           <a:p>
             <a:fld id="{1EF8B7AD-2541-4F3F-991C-D74ABA8B9E18}" type="datetimeFigureOut">
               <a:rPr lang="en-US" smtClean="0"/>
-              <a:t>10/4/2020</a:t>
+              <a:t>1/16/2021</a:t>
             </a:fld>
             <a:endParaRPr lang="en-US"/>
           </a:p>
@@ -1110,7 +1111,7 @@
           <a:p>
             <a:fld id="{1EF8B7AD-2541-4F3F-991C-D74ABA8B9E18}" type="datetimeFigureOut">
               <a:rPr lang="en-US" smtClean="0"/>
-              <a:t>10/4/2020</a:t>
+              <a:t>1/16/2021</a:t>
             </a:fld>
             <a:endParaRPr lang="en-US"/>
           </a:p>
@@ -1436,7 +1437,7 @@
           <a:p>
             <a:fld id="{1EF8B7AD-2541-4F3F-991C-D74ABA8B9E18}" type="datetimeFigureOut">
               <a:rPr lang="en-US" smtClean="0"/>
-              <a:t>10/4/2020</a:t>
+              <a:t>1/16/2021</a:t>
             </a:fld>
             <a:endParaRPr lang="en-US"/>
           </a:p>
@@ -1845,7 +1846,7 @@
           <a:p>
             <a:fld id="{1EF8B7AD-2541-4F3F-991C-D74ABA8B9E18}" type="datetimeFigureOut">
               <a:rPr lang="en-US" smtClean="0"/>
-              <a:t>10/4/2020</a:t>
+              <a:t>1/16/2021</a:t>
             </a:fld>
             <a:endParaRPr lang="en-US"/>
           </a:p>
@@ -1963,7 +1964,7 @@
           <a:p>
             <a:fld id="{1EF8B7AD-2541-4F3F-991C-D74ABA8B9E18}" type="datetimeFigureOut">
               <a:rPr lang="en-US" smtClean="0"/>
-              <a:t>10/4/2020</a:t>
+              <a:t>1/16/2021</a:t>
             </a:fld>
             <a:endParaRPr lang="en-US"/>
           </a:p>
@@ -2058,7 +2059,7 @@
           <a:p>
             <a:fld id="{1EF8B7AD-2541-4F3F-991C-D74ABA8B9E18}" type="datetimeFigureOut">
               <a:rPr lang="en-US" smtClean="0"/>
-              <a:t>10/4/2020</a:t>
+              <a:t>1/16/2021</a:t>
             </a:fld>
             <a:endParaRPr lang="en-US"/>
           </a:p>
@@ -2345,7 +2346,7 @@
           <a:p>
             <a:fld id="{1EF8B7AD-2541-4F3F-991C-D74ABA8B9E18}" type="datetimeFigureOut">
               <a:rPr lang="en-US" smtClean="0"/>
-              <a:t>10/4/2020</a:t>
+              <a:t>1/16/2021</a:t>
             </a:fld>
             <a:endParaRPr lang="en-US"/>
           </a:p>
@@ -2660,7 +2661,7 @@
           <a:p>
             <a:fld id="{1EF8B7AD-2541-4F3F-991C-D74ABA8B9E18}" type="datetimeFigureOut">
               <a:rPr lang="en-US" smtClean="0"/>
-              <a:t>10/4/2020</a:t>
+              <a:t>1/16/2021</a:t>
             </a:fld>
             <a:endParaRPr lang="en-US"/>
           </a:p>
@@ -2909,7 +2910,7 @@
           <a:p>
             <a:fld id="{1EF8B7AD-2541-4F3F-991C-D74ABA8B9E18}" type="datetimeFigureOut">
               <a:rPr lang="en-US" smtClean="0"/>
-              <a:t>10/4/2020</a:t>
+              <a:t>1/16/2021</a:t>
             </a:fld>
             <a:endParaRPr lang="en-US"/>
           </a:p>
@@ -5325,6 +5326,1178 @@
 </p:sld>
 </file>
 
+<file path=ppt/slides/slide3.xml><?xml version="1.0" encoding="utf-8"?>
+<p:sld xmlns:a="http://schemas.openxmlformats.org/drawingml/2006/main" xmlns:r="http://schemas.openxmlformats.org/officeDocument/2006/relationships" xmlns:p="http://schemas.openxmlformats.org/presentationml/2006/main">
+  <p:cSld>
+    <p:spTree>
+      <p:nvGrpSpPr>
+        <p:cNvPr id="1" name=""/>
+        <p:cNvGrpSpPr/>
+        <p:nvPr/>
+      </p:nvGrpSpPr>
+      <p:grpSpPr>
+        <a:xfrm>
+          <a:off x="0" y="0"/>
+          <a:ext cx="0" cy="0"/>
+          <a:chOff x="0" y="0"/>
+          <a:chExt cx="0" cy="0"/>
+        </a:xfrm>
+      </p:grpSpPr>
+      <p:cxnSp>
+        <p:nvCxnSpPr>
+          <p:cNvPr id="5" name="Straight Connector 4">
+            <a:extLst>
+              <a:ext uri="{FF2B5EF4-FFF2-40B4-BE49-F238E27FC236}">
+                <a16:creationId xmlns:a16="http://schemas.microsoft.com/office/drawing/2014/main" id="{589FA3BB-3222-4536-A873-45438C5F19D7}"/>
+              </a:ext>
+            </a:extLst>
+          </p:cNvPr>
+          <p:cNvCxnSpPr>
+            <a:cxnSpLocks/>
+          </p:cNvCxnSpPr>
+          <p:nvPr/>
+        </p:nvCxnSpPr>
+        <p:spPr>
+          <a:xfrm>
+            <a:off x="745724" y="898409"/>
+            <a:ext cx="0" cy="5968468"/>
+          </a:xfrm>
+          <a:prstGeom prst="line">
+            <a:avLst/>
+          </a:prstGeom>
+          <a:ln w="76200"/>
+        </p:spPr>
+        <p:style>
+          <a:lnRef idx="1">
+            <a:schemeClr val="accent1"/>
+          </a:lnRef>
+          <a:fillRef idx="0">
+            <a:schemeClr val="accent1"/>
+          </a:fillRef>
+          <a:effectRef idx="0">
+            <a:schemeClr val="accent1"/>
+          </a:effectRef>
+          <a:fontRef idx="minor">
+            <a:schemeClr val="tx1"/>
+          </a:fontRef>
+        </p:style>
+      </p:cxnSp>
+      <p:sp>
+        <p:nvSpPr>
+          <p:cNvPr id="10" name="TextBox 9">
+            <a:extLst>
+              <a:ext uri="{FF2B5EF4-FFF2-40B4-BE49-F238E27FC236}">
+                <a16:creationId xmlns:a16="http://schemas.microsoft.com/office/drawing/2014/main" id="{5123F8D7-4036-4743-9CB9-67FEB7C5EAD3}"/>
+              </a:ext>
+            </a:extLst>
+          </p:cNvPr>
+          <p:cNvSpPr txBox="1"/>
+          <p:nvPr/>
+        </p:nvSpPr>
+        <p:spPr>
+          <a:xfrm>
+            <a:off x="745724" y="898409"/>
+            <a:ext cx="6532494" cy="369332"/>
+          </a:xfrm>
+          <a:prstGeom prst="rect">
+            <a:avLst/>
+          </a:prstGeom>
+          <a:noFill/>
+        </p:spPr>
+        <p:txBody>
+          <a:bodyPr wrap="none" rtlCol="0">
+            <a:spAutoFit/>
+          </a:bodyPr>
+          <a:lstStyle/>
+          <a:p>
+            <a:pPr marL="0" marR="0" lvl="0" indent="0" algn="l" defTabSz="457200" rtl="0" eaLnBrk="1" fontAlgn="auto" latinLnBrk="0" hangingPunct="1">
+              <a:lnSpc>
+                <a:spcPct val="100000"/>
+              </a:lnSpc>
+              <a:spcBef>
+                <a:spcPts val="0"/>
+              </a:spcBef>
+              <a:spcAft>
+                <a:spcPts val="0"/>
+              </a:spcAft>
+              <a:buClrTx/>
+              <a:buSzTx/>
+              <a:buFontTx/>
+              <a:buNone/>
+              <a:tabLst/>
+              <a:defRPr/>
+            </a:pPr>
+            <a:r>
+              <a:rPr kumimoji="0" lang="en-US" sz="1800" b="0" i="0" u="none" strike="noStrike" kern="1200" cap="none" spc="0" normalizeH="0" baseline="0" noProof="0" dirty="0">
+                <a:ln>
+                  <a:noFill/>
+                </a:ln>
+                <a:solidFill>
+                  <a:prstClr val="white"/>
+                </a:solidFill>
+                <a:effectLst/>
+                <a:uLnTx/>
+                <a:uFillTx/>
+                <a:latin typeface="Microsoft YaHei Light" panose="020B0503020204020204" pitchFamily="34" charset="-122"/>
+                <a:ea typeface="Microsoft YaHei Light" panose="020B0503020204020204" pitchFamily="34" charset="-122"/>
+                <a:cs typeface="+mn-cs"/>
+              </a:rPr>
+              <a:t>Recursively grow shoots, for each buds from each internode:</a:t>
+            </a:r>
+          </a:p>
+        </p:txBody>
+      </p:sp>
+      <p:sp>
+        <p:nvSpPr>
+          <p:cNvPr id="12" name="TextBox 11">
+            <a:extLst>
+              <a:ext uri="{FF2B5EF4-FFF2-40B4-BE49-F238E27FC236}">
+                <a16:creationId xmlns:a16="http://schemas.microsoft.com/office/drawing/2014/main" id="{4B8B26D4-FA35-4658-AC87-B0128203CA7C}"/>
+              </a:ext>
+            </a:extLst>
+          </p:cNvPr>
+          <p:cNvSpPr txBox="1"/>
+          <p:nvPr/>
+        </p:nvSpPr>
+        <p:spPr>
+          <a:xfrm>
+            <a:off x="1297620" y="1267741"/>
+            <a:ext cx="3720057" cy="369332"/>
+          </a:xfrm>
+          <a:prstGeom prst="rect">
+            <a:avLst/>
+          </a:prstGeom>
+          <a:noFill/>
+        </p:spPr>
+        <p:txBody>
+          <a:bodyPr wrap="none" rtlCol="0">
+            <a:spAutoFit/>
+          </a:bodyPr>
+          <a:lstStyle/>
+          <a:p>
+            <a:pPr marL="0" marR="0" lvl="0" indent="0" algn="l" defTabSz="457200" rtl="0" eaLnBrk="1" fontAlgn="auto" latinLnBrk="0" hangingPunct="1">
+              <a:lnSpc>
+                <a:spcPct val="100000"/>
+              </a:lnSpc>
+              <a:spcBef>
+                <a:spcPts val="0"/>
+              </a:spcBef>
+              <a:spcAft>
+                <a:spcPts val="0"/>
+              </a:spcAft>
+              <a:buClrTx/>
+              <a:buSzTx/>
+              <a:buFontTx/>
+              <a:buNone/>
+              <a:tabLst/>
+              <a:defRPr/>
+            </a:pPr>
+            <a:r>
+              <a:rPr kumimoji="0" lang="en-US" sz="1800" b="0" i="0" u="none" strike="noStrike" kern="1200" cap="none" spc="0" normalizeH="0" baseline="0" noProof="0" dirty="0">
+                <a:ln>
+                  <a:noFill/>
+                </a:ln>
+                <a:solidFill>
+                  <a:prstClr val="white"/>
+                </a:solidFill>
+                <a:effectLst/>
+                <a:uLnTx/>
+                <a:uFillTx/>
+                <a:latin typeface="Microsoft YaHei Light" panose="020B0503020204020204" pitchFamily="34" charset="-122"/>
+                <a:ea typeface="Microsoft YaHei Light" panose="020B0503020204020204" pitchFamily="34" charset="-122"/>
+                <a:cs typeface="+mn-cs"/>
+              </a:rPr>
+              <a:t>Create a new internode candidate</a:t>
+            </a:r>
+          </a:p>
+        </p:txBody>
+      </p:sp>
+      <p:cxnSp>
+        <p:nvCxnSpPr>
+          <p:cNvPr id="17" name="Straight Connector 16">
+            <a:extLst>
+              <a:ext uri="{FF2B5EF4-FFF2-40B4-BE49-F238E27FC236}">
+                <a16:creationId xmlns:a16="http://schemas.microsoft.com/office/drawing/2014/main" id="{9708949E-2FCE-4883-9C2B-C4FB2BDF9CF9}"/>
+              </a:ext>
+            </a:extLst>
+          </p:cNvPr>
+          <p:cNvCxnSpPr>
+            <a:cxnSpLocks/>
+          </p:cNvCxnSpPr>
+          <p:nvPr/>
+        </p:nvCxnSpPr>
+        <p:spPr>
+          <a:xfrm>
+            <a:off x="1281344" y="1267741"/>
+            <a:ext cx="0" cy="1912781"/>
+          </a:xfrm>
+          <a:prstGeom prst="line">
+            <a:avLst/>
+          </a:prstGeom>
+          <a:ln w="76200"/>
+        </p:spPr>
+        <p:style>
+          <a:lnRef idx="1">
+            <a:schemeClr val="accent1"/>
+          </a:lnRef>
+          <a:fillRef idx="0">
+            <a:schemeClr val="accent1"/>
+          </a:fillRef>
+          <a:effectRef idx="0">
+            <a:schemeClr val="accent1"/>
+          </a:effectRef>
+          <a:fontRef idx="minor">
+            <a:schemeClr val="tx1"/>
+          </a:fontRef>
+        </p:style>
+      </p:cxnSp>
+      <p:cxnSp>
+        <p:nvCxnSpPr>
+          <p:cNvPr id="33" name="Straight Connector 32">
+            <a:extLst>
+              <a:ext uri="{FF2B5EF4-FFF2-40B4-BE49-F238E27FC236}">
+                <a16:creationId xmlns:a16="http://schemas.microsoft.com/office/drawing/2014/main" id="{87F07CAA-6C32-455D-A3D1-4D8D4E6C6B86}"/>
+              </a:ext>
+            </a:extLst>
+          </p:cNvPr>
+          <p:cNvCxnSpPr>
+            <a:cxnSpLocks/>
+          </p:cNvCxnSpPr>
+          <p:nvPr/>
+        </p:nvCxnSpPr>
+        <p:spPr>
+          <a:xfrm>
+            <a:off x="1707708" y="1657352"/>
+            <a:ext cx="0" cy="1067158"/>
+          </a:xfrm>
+          <a:prstGeom prst="line">
+            <a:avLst/>
+          </a:prstGeom>
+          <a:ln w="76200"/>
+        </p:spPr>
+        <p:style>
+          <a:lnRef idx="1">
+            <a:schemeClr val="accent1"/>
+          </a:lnRef>
+          <a:fillRef idx="0">
+            <a:schemeClr val="accent1"/>
+          </a:fillRef>
+          <a:effectRef idx="0">
+            <a:schemeClr val="accent1"/>
+          </a:effectRef>
+          <a:fontRef idx="minor">
+            <a:schemeClr val="tx1"/>
+          </a:fontRef>
+        </p:style>
+      </p:cxnSp>
+      <p:sp>
+        <p:nvSpPr>
+          <p:cNvPr id="35" name="TextBox 34">
+            <a:extLst>
+              <a:ext uri="{FF2B5EF4-FFF2-40B4-BE49-F238E27FC236}">
+                <a16:creationId xmlns:a16="http://schemas.microsoft.com/office/drawing/2014/main" id="{C68B3C09-9A99-4DFF-B0D4-25B1EFA41741}"/>
+              </a:ext>
+            </a:extLst>
+          </p:cNvPr>
+          <p:cNvSpPr txBox="1"/>
+          <p:nvPr/>
+        </p:nvSpPr>
+        <p:spPr>
+          <a:xfrm>
+            <a:off x="1780398" y="1628442"/>
+            <a:ext cx="4463145" cy="369332"/>
+          </a:xfrm>
+          <a:prstGeom prst="rect">
+            <a:avLst/>
+          </a:prstGeom>
+          <a:noFill/>
+        </p:spPr>
+        <p:txBody>
+          <a:bodyPr wrap="none" rtlCol="0">
+            <a:spAutoFit/>
+          </a:bodyPr>
+          <a:lstStyle/>
+          <a:p>
+            <a:pPr marL="0" marR="0" lvl="0" indent="0" algn="l" defTabSz="457200" rtl="0" eaLnBrk="1" fontAlgn="auto" latinLnBrk="0" hangingPunct="1">
+              <a:lnSpc>
+                <a:spcPct val="100000"/>
+              </a:lnSpc>
+              <a:spcBef>
+                <a:spcPts val="0"/>
+              </a:spcBef>
+              <a:spcAft>
+                <a:spcPts val="0"/>
+              </a:spcAft>
+              <a:buClrTx/>
+              <a:buSzTx/>
+              <a:buFontTx/>
+              <a:buNone/>
+              <a:tabLst/>
+              <a:defRPr/>
+            </a:pPr>
+            <a:r>
+              <a:rPr kumimoji="0" lang="en-US" sz="1800" b="0" i="0" u="none" strike="noStrike" kern="1200" cap="none" spc="0" normalizeH="0" baseline="0" noProof="0" dirty="0">
+                <a:ln>
+                  <a:noFill/>
+                </a:ln>
+                <a:solidFill>
+                  <a:prstClr val="white"/>
+                </a:solidFill>
+                <a:effectLst/>
+                <a:uLnTx/>
+                <a:uFillTx/>
+                <a:latin typeface="Microsoft YaHei Light" panose="020B0503020204020204" pitchFamily="34" charset="-122"/>
+                <a:ea typeface="Microsoft YaHei Light" panose="020B0503020204020204" pitchFamily="34" charset="-122"/>
+                <a:cs typeface="+mn-cs"/>
+              </a:rPr>
+              <a:t>Calculate desired transform for internode</a:t>
+            </a:r>
+          </a:p>
+        </p:txBody>
+      </p:sp>
+      <p:sp>
+        <p:nvSpPr>
+          <p:cNvPr id="37" name="TextBox 36">
+            <a:extLst>
+              <a:ext uri="{FF2B5EF4-FFF2-40B4-BE49-F238E27FC236}">
+                <a16:creationId xmlns:a16="http://schemas.microsoft.com/office/drawing/2014/main" id="{11F7C47D-3B06-4E20-A2D2-3ADFC31BE929}"/>
+              </a:ext>
+            </a:extLst>
+          </p:cNvPr>
+          <p:cNvSpPr txBox="1"/>
+          <p:nvPr/>
+        </p:nvSpPr>
+        <p:spPr>
+          <a:xfrm>
+            <a:off x="1780397" y="2003738"/>
+            <a:ext cx="4084516" cy="369332"/>
+          </a:xfrm>
+          <a:prstGeom prst="rect">
+            <a:avLst/>
+          </a:prstGeom>
+          <a:noFill/>
+        </p:spPr>
+        <p:txBody>
+          <a:bodyPr wrap="none" rtlCol="0">
+            <a:spAutoFit/>
+          </a:bodyPr>
+          <a:lstStyle/>
+          <a:p>
+            <a:pPr marL="0" marR="0" lvl="0" indent="0" algn="l" defTabSz="457200" rtl="0" eaLnBrk="1" fontAlgn="auto" latinLnBrk="0" hangingPunct="1">
+              <a:lnSpc>
+                <a:spcPct val="100000"/>
+              </a:lnSpc>
+              <a:spcBef>
+                <a:spcPts val="0"/>
+              </a:spcBef>
+              <a:spcAft>
+                <a:spcPts val="0"/>
+              </a:spcAft>
+              <a:buClrTx/>
+              <a:buSzTx/>
+              <a:buFontTx/>
+              <a:buNone/>
+              <a:tabLst/>
+              <a:defRPr/>
+            </a:pPr>
+            <a:r>
+              <a:rPr kumimoji="0" lang="en-US" sz="1800" b="0" i="0" u="none" strike="noStrike" kern="1200" cap="none" spc="0" normalizeH="0" baseline="0" noProof="0" dirty="0">
+                <a:ln>
+                  <a:noFill/>
+                </a:ln>
+                <a:solidFill>
+                  <a:prstClr val="white"/>
+                </a:solidFill>
+                <a:effectLst/>
+                <a:uLnTx/>
+                <a:uFillTx/>
+                <a:latin typeface="Microsoft YaHei Light" panose="020B0503020204020204" pitchFamily="34" charset="-122"/>
+                <a:ea typeface="Microsoft YaHei Light" panose="020B0503020204020204" pitchFamily="34" charset="-122"/>
+                <a:cs typeface="+mn-cs"/>
+              </a:rPr>
+              <a:t>Apply phototropism and gravitropism</a:t>
+            </a:r>
+          </a:p>
+        </p:txBody>
+      </p:sp>
+      <p:sp>
+        <p:nvSpPr>
+          <p:cNvPr id="46" name="TextBox 45">
+            <a:extLst>
+              <a:ext uri="{FF2B5EF4-FFF2-40B4-BE49-F238E27FC236}">
+                <a16:creationId xmlns:a16="http://schemas.microsoft.com/office/drawing/2014/main" id="{05800366-8CB2-40AF-A6E8-17E82962D36E}"/>
+              </a:ext>
+            </a:extLst>
+          </p:cNvPr>
+          <p:cNvSpPr txBox="1"/>
+          <p:nvPr/>
+        </p:nvSpPr>
+        <p:spPr>
+          <a:xfrm>
+            <a:off x="1780397" y="2355178"/>
+            <a:ext cx="3938771" cy="369332"/>
+          </a:xfrm>
+          <a:prstGeom prst="rect">
+            <a:avLst/>
+          </a:prstGeom>
+          <a:noFill/>
+        </p:spPr>
+        <p:txBody>
+          <a:bodyPr wrap="none" rtlCol="0">
+            <a:spAutoFit/>
+          </a:bodyPr>
+          <a:lstStyle/>
+          <a:p>
+            <a:pPr marL="0" marR="0" lvl="0" indent="0" algn="l" defTabSz="457200" rtl="0" eaLnBrk="1" fontAlgn="auto" latinLnBrk="0" hangingPunct="1">
+              <a:lnSpc>
+                <a:spcPct val="100000"/>
+              </a:lnSpc>
+              <a:spcBef>
+                <a:spcPts val="0"/>
+              </a:spcBef>
+              <a:spcAft>
+                <a:spcPts val="0"/>
+              </a:spcAft>
+              <a:buClrTx/>
+              <a:buSzTx/>
+              <a:buFontTx/>
+              <a:buNone/>
+              <a:tabLst/>
+              <a:defRPr/>
+            </a:pPr>
+            <a:r>
+              <a:rPr kumimoji="0" lang="en-US" sz="1800" b="0" i="0" u="none" strike="noStrike" kern="1200" cap="none" spc="0" normalizeH="0" baseline="0" noProof="0" dirty="0">
+                <a:ln>
+                  <a:noFill/>
+                </a:ln>
+                <a:solidFill>
+                  <a:prstClr val="white"/>
+                </a:solidFill>
+                <a:effectLst/>
+                <a:uLnTx/>
+                <a:uFillTx/>
+                <a:latin typeface="Microsoft YaHei Light" panose="020B0503020204020204" pitchFamily="34" charset="-122"/>
+                <a:ea typeface="Microsoft YaHei Light" panose="020B0503020204020204" pitchFamily="34" charset="-122"/>
+                <a:cs typeface="+mn-cs"/>
+              </a:rPr>
+              <a:t>Create and setup apical/lateral buds</a:t>
+            </a:r>
+          </a:p>
+        </p:txBody>
+      </p:sp>
+      <p:sp>
+        <p:nvSpPr>
+          <p:cNvPr id="62" name="TextBox 61">
+            <a:extLst>
+              <a:ext uri="{FF2B5EF4-FFF2-40B4-BE49-F238E27FC236}">
+                <a16:creationId xmlns:a16="http://schemas.microsoft.com/office/drawing/2014/main" id="{A7C7028D-87FD-4623-AE48-9578DFEC12D9}"/>
+              </a:ext>
+            </a:extLst>
+          </p:cNvPr>
+          <p:cNvSpPr txBox="1"/>
+          <p:nvPr/>
+        </p:nvSpPr>
+        <p:spPr>
+          <a:xfrm>
+            <a:off x="831198" y="4557742"/>
+            <a:ext cx="6883568" cy="923330"/>
+          </a:xfrm>
+          <a:prstGeom prst="rect">
+            <a:avLst/>
+          </a:prstGeom>
+          <a:noFill/>
+        </p:spPr>
+        <p:txBody>
+          <a:bodyPr wrap="square">
+            <a:spAutoFit/>
+          </a:bodyPr>
+          <a:lstStyle/>
+          <a:p>
+            <a:pPr marL="0" marR="0" lvl="0" indent="0" algn="l" defTabSz="457200" rtl="0" eaLnBrk="1" fontAlgn="auto" latinLnBrk="0" hangingPunct="1">
+              <a:lnSpc>
+                <a:spcPct val="100000"/>
+              </a:lnSpc>
+              <a:spcBef>
+                <a:spcPts val="0"/>
+              </a:spcBef>
+              <a:spcAft>
+                <a:spcPts val="0"/>
+              </a:spcAft>
+              <a:buClrTx/>
+              <a:buSzTx/>
+              <a:buFontTx/>
+              <a:buNone/>
+              <a:tabLst/>
+              <a:defRPr/>
+            </a:pPr>
+            <a:r>
+              <a:rPr kumimoji="0" lang="en-US" sz="1800" b="0" i="0" u="none" strike="noStrike" kern="1200" cap="none" spc="0" normalizeH="0" baseline="0" noProof="0" dirty="0">
+                <a:ln>
+                  <a:noFill/>
+                </a:ln>
+                <a:solidFill>
+                  <a:prstClr val="white"/>
+                </a:solidFill>
+                <a:effectLst/>
+                <a:uLnTx/>
+                <a:uFillTx/>
+                <a:latin typeface="Microsoft YaHei Light" panose="020B0503020204020204" pitchFamily="34" charset="-122"/>
+                <a:ea typeface="Microsoft YaHei Light" panose="020B0503020204020204" pitchFamily="34" charset="-122"/>
+                <a:cs typeface="+mn-cs"/>
+              </a:rPr>
+              <a:t>For all candidates on the waiting list, select the first N candidates that are closest to the desired direction and then form actual shoot.  </a:t>
+            </a:r>
+          </a:p>
+        </p:txBody>
+      </p:sp>
+      <p:sp>
+        <p:nvSpPr>
+          <p:cNvPr id="67" name="TextBox 66">
+            <a:extLst>
+              <a:ext uri="{FF2B5EF4-FFF2-40B4-BE49-F238E27FC236}">
+                <a16:creationId xmlns:a16="http://schemas.microsoft.com/office/drawing/2014/main" id="{B20FCC5A-F524-4C05-91DC-77B5DB353A08}"/>
+              </a:ext>
+            </a:extLst>
+          </p:cNvPr>
+          <p:cNvSpPr txBox="1"/>
+          <p:nvPr/>
+        </p:nvSpPr>
+        <p:spPr>
+          <a:xfrm>
+            <a:off x="831198" y="6181722"/>
+            <a:ext cx="3998760" cy="369332"/>
+          </a:xfrm>
+          <a:prstGeom prst="rect">
+            <a:avLst/>
+          </a:prstGeom>
+          <a:noFill/>
+        </p:spPr>
+        <p:txBody>
+          <a:bodyPr wrap="square" rtlCol="0">
+            <a:spAutoFit/>
+          </a:bodyPr>
+          <a:lstStyle/>
+          <a:p>
+            <a:pPr marL="0" marR="0" lvl="0" indent="0" algn="l" defTabSz="457200" rtl="0" eaLnBrk="1" fontAlgn="auto" latinLnBrk="0" hangingPunct="1">
+              <a:lnSpc>
+                <a:spcPct val="100000"/>
+              </a:lnSpc>
+              <a:spcBef>
+                <a:spcPts val="0"/>
+              </a:spcBef>
+              <a:spcAft>
+                <a:spcPts val="0"/>
+              </a:spcAft>
+              <a:buClrTx/>
+              <a:buSzTx/>
+              <a:buFontTx/>
+              <a:buNone/>
+              <a:tabLst/>
+              <a:defRPr/>
+            </a:pPr>
+            <a:r>
+              <a:rPr kumimoji="0" lang="en-US" sz="1800" b="0" i="0" u="none" strike="noStrike" kern="1200" cap="none" spc="0" normalizeH="0" baseline="0" noProof="0" dirty="0">
+                <a:ln>
+                  <a:noFill/>
+                </a:ln>
+                <a:solidFill>
+                  <a:prstClr val="white"/>
+                </a:solidFill>
+                <a:effectLst/>
+                <a:uLnTx/>
+                <a:uFillTx/>
+                <a:latin typeface="Microsoft YaHei Light" panose="020B0503020204020204" pitchFamily="34" charset="-122"/>
+                <a:ea typeface="Microsoft YaHei Light" panose="020B0503020204020204" pitchFamily="34" charset="-122"/>
+                <a:cs typeface="+mn-cs"/>
+              </a:rPr>
+              <a:t>Collect inhibitor from child branches</a:t>
+            </a:r>
+          </a:p>
+        </p:txBody>
+      </p:sp>
+      <p:cxnSp>
+        <p:nvCxnSpPr>
+          <p:cNvPr id="68" name="Straight Connector 67">
+            <a:extLst>
+              <a:ext uri="{FF2B5EF4-FFF2-40B4-BE49-F238E27FC236}">
+                <a16:creationId xmlns:a16="http://schemas.microsoft.com/office/drawing/2014/main" id="{81F71E47-55C4-499E-94DD-E2B5430139A4}"/>
+              </a:ext>
+            </a:extLst>
+          </p:cNvPr>
+          <p:cNvCxnSpPr>
+            <a:cxnSpLocks/>
+          </p:cNvCxnSpPr>
+          <p:nvPr/>
+        </p:nvCxnSpPr>
+        <p:spPr>
+          <a:xfrm>
+            <a:off x="232299" y="72451"/>
+            <a:ext cx="0" cy="6785549"/>
+          </a:xfrm>
+          <a:prstGeom prst="line">
+            <a:avLst/>
+          </a:prstGeom>
+          <a:ln w="76200"/>
+        </p:spPr>
+        <p:style>
+          <a:lnRef idx="1">
+            <a:schemeClr val="accent1"/>
+          </a:lnRef>
+          <a:fillRef idx="0">
+            <a:schemeClr val="accent1"/>
+          </a:fillRef>
+          <a:effectRef idx="0">
+            <a:schemeClr val="accent1"/>
+          </a:effectRef>
+          <a:fontRef idx="minor">
+            <a:schemeClr val="tx1"/>
+          </a:fontRef>
+        </p:style>
+      </p:cxnSp>
+      <p:sp>
+        <p:nvSpPr>
+          <p:cNvPr id="71" name="TextBox 70">
+            <a:extLst>
+              <a:ext uri="{FF2B5EF4-FFF2-40B4-BE49-F238E27FC236}">
+                <a16:creationId xmlns:a16="http://schemas.microsoft.com/office/drawing/2014/main" id="{12608CAE-28C7-499C-8AE2-AABB2CCBB7C0}"/>
+              </a:ext>
+            </a:extLst>
+          </p:cNvPr>
+          <p:cNvSpPr txBox="1"/>
+          <p:nvPr/>
+        </p:nvSpPr>
+        <p:spPr>
+          <a:xfrm>
+            <a:off x="232299" y="72451"/>
+            <a:ext cx="3170740" cy="369332"/>
+          </a:xfrm>
+          <a:prstGeom prst="rect">
+            <a:avLst/>
+          </a:prstGeom>
+          <a:noFill/>
+        </p:spPr>
+        <p:txBody>
+          <a:bodyPr wrap="none" rtlCol="0">
+            <a:spAutoFit/>
+          </a:bodyPr>
+          <a:lstStyle/>
+          <a:p>
+            <a:pPr marL="0" marR="0" lvl="0" indent="0" algn="l" defTabSz="457200" rtl="0" eaLnBrk="1" fontAlgn="auto" latinLnBrk="0" hangingPunct="1">
+              <a:lnSpc>
+                <a:spcPct val="100000"/>
+              </a:lnSpc>
+              <a:spcBef>
+                <a:spcPts val="0"/>
+              </a:spcBef>
+              <a:spcAft>
+                <a:spcPts val="0"/>
+              </a:spcAft>
+              <a:buClrTx/>
+              <a:buSzTx/>
+              <a:buFontTx/>
+              <a:buNone/>
+              <a:tabLst/>
+              <a:defRPr/>
+            </a:pPr>
+            <a:r>
+              <a:rPr kumimoji="0" lang="en-US" sz="1800" b="0" i="0" u="none" strike="noStrike" kern="1200" cap="none" spc="0" normalizeH="0" baseline="0" noProof="0" dirty="0">
+                <a:ln>
+                  <a:noFill/>
+                </a:ln>
+                <a:solidFill>
+                  <a:prstClr val="white"/>
+                </a:solidFill>
+                <a:effectLst/>
+                <a:uLnTx/>
+                <a:uFillTx/>
+                <a:latin typeface="Microsoft YaHei Light" panose="020B0503020204020204" pitchFamily="34" charset="-122"/>
+                <a:ea typeface="Microsoft YaHei Light" panose="020B0503020204020204" pitchFamily="34" charset="-122"/>
+                <a:cs typeface="+mn-cs"/>
+              </a:rPr>
+              <a:t>Try grow each tree in scene:</a:t>
+            </a:r>
+          </a:p>
+        </p:txBody>
+      </p:sp>
+      <p:sp>
+        <p:nvSpPr>
+          <p:cNvPr id="74" name="TextBox 73">
+            <a:extLst>
+              <a:ext uri="{FF2B5EF4-FFF2-40B4-BE49-F238E27FC236}">
+                <a16:creationId xmlns:a16="http://schemas.microsoft.com/office/drawing/2014/main" id="{FFC1A2D7-AB04-4D52-B592-A0BBC5E7D51D}"/>
+              </a:ext>
+            </a:extLst>
+          </p:cNvPr>
+          <p:cNvSpPr txBox="1"/>
+          <p:nvPr/>
+        </p:nvSpPr>
+        <p:spPr>
+          <a:xfrm>
+            <a:off x="8544934" y="378822"/>
+            <a:ext cx="461665" cy="4903778"/>
+          </a:xfrm>
+          <a:prstGeom prst="rect">
+            <a:avLst/>
+          </a:prstGeom>
+          <a:noFill/>
+        </p:spPr>
+        <p:txBody>
+          <a:bodyPr vert="eaVert" wrap="none" rtlCol="0">
+            <a:spAutoFit/>
+          </a:bodyPr>
+          <a:lstStyle/>
+          <a:p>
+            <a:pPr marL="0" marR="0" lvl="0" indent="0" algn="l" defTabSz="457200" rtl="0" eaLnBrk="1" fontAlgn="auto" latinLnBrk="0" hangingPunct="1">
+              <a:lnSpc>
+                <a:spcPct val="100000"/>
+              </a:lnSpc>
+              <a:spcBef>
+                <a:spcPts val="0"/>
+              </a:spcBef>
+              <a:spcAft>
+                <a:spcPts val="0"/>
+              </a:spcAft>
+              <a:buClrTx/>
+              <a:buSzTx/>
+              <a:buFontTx/>
+              <a:buNone/>
+              <a:tabLst/>
+              <a:defRPr/>
+            </a:pPr>
+            <a:r>
+              <a:rPr kumimoji="0" lang="en-US" sz="1800" b="0" i="0" u="none" strike="noStrike" kern="1200" cap="none" spc="0" normalizeH="0" baseline="0" noProof="0" dirty="0">
+                <a:ln>
+                  <a:noFill/>
+                </a:ln>
+                <a:solidFill>
+                  <a:prstClr val="white"/>
+                </a:solidFill>
+                <a:effectLst/>
+                <a:uLnTx/>
+                <a:uFillTx/>
+                <a:latin typeface="Microsoft YaHei Light" panose="020B0503020204020204" pitchFamily="34" charset="-122"/>
+                <a:ea typeface="Microsoft YaHei Light" panose="020B0503020204020204" pitchFamily="34" charset="-122"/>
+                <a:cs typeface="+mn-cs"/>
+              </a:rPr>
+              <a:t>GROWTH (Combined with space colonization)</a:t>
+            </a:r>
+          </a:p>
+        </p:txBody>
+      </p:sp>
+      <p:sp>
+        <p:nvSpPr>
+          <p:cNvPr id="2" name="TextBox 1">
+            <a:extLst>
+              <a:ext uri="{FF2B5EF4-FFF2-40B4-BE49-F238E27FC236}">
+                <a16:creationId xmlns:a16="http://schemas.microsoft.com/office/drawing/2014/main" id="{3B290317-EA03-4F61-8512-BD7389E21455}"/>
+              </a:ext>
+            </a:extLst>
+          </p:cNvPr>
+          <p:cNvSpPr txBox="1"/>
+          <p:nvPr/>
+        </p:nvSpPr>
+        <p:spPr>
+          <a:xfrm>
+            <a:off x="831198" y="6513040"/>
+            <a:ext cx="7450915" cy="369332"/>
+          </a:xfrm>
+          <a:prstGeom prst="rect">
+            <a:avLst/>
+          </a:prstGeom>
+          <a:noFill/>
+        </p:spPr>
+        <p:txBody>
+          <a:bodyPr wrap="square" rtlCol="0">
+            <a:spAutoFit/>
+          </a:bodyPr>
+          <a:lstStyle/>
+          <a:p>
+            <a:pPr marL="0" marR="0" lvl="0" indent="0" algn="l" defTabSz="457200" rtl="0" eaLnBrk="1" fontAlgn="auto" latinLnBrk="0" hangingPunct="1">
+              <a:lnSpc>
+                <a:spcPct val="100000"/>
+              </a:lnSpc>
+              <a:spcBef>
+                <a:spcPts val="0"/>
+              </a:spcBef>
+              <a:spcAft>
+                <a:spcPts val="0"/>
+              </a:spcAft>
+              <a:buClrTx/>
+              <a:buSzTx/>
+              <a:buFontTx/>
+              <a:buNone/>
+              <a:tabLst/>
+              <a:defRPr/>
+            </a:pPr>
+            <a:r>
+              <a:rPr kumimoji="0" lang="en-US" sz="1800" b="0" i="0" u="none" strike="noStrike" kern="1200" cap="none" spc="0" normalizeH="0" baseline="0" noProof="0" dirty="0">
+                <a:ln>
+                  <a:noFill/>
+                </a:ln>
+                <a:solidFill>
+                  <a:prstClr val="white"/>
+                </a:solidFill>
+                <a:effectLst/>
+                <a:uLnTx/>
+                <a:uFillTx/>
+                <a:latin typeface="Microsoft YaHei Light" panose="020B0503020204020204" pitchFamily="34" charset="-122"/>
+                <a:ea typeface="Microsoft YaHei Light" panose="020B0503020204020204" pitchFamily="34" charset="-122"/>
+                <a:cs typeface="+mn-cs"/>
+              </a:rPr>
+              <a:t>If the tree grew, calculate illumination</a:t>
+            </a:r>
+          </a:p>
+        </p:txBody>
+      </p:sp>
+      <p:sp>
+        <p:nvSpPr>
+          <p:cNvPr id="27" name="TextBox 26">
+            <a:extLst>
+              <a:ext uri="{FF2B5EF4-FFF2-40B4-BE49-F238E27FC236}">
+                <a16:creationId xmlns:a16="http://schemas.microsoft.com/office/drawing/2014/main" id="{AEBABA3B-D3D2-433F-A1DA-464832E8B7CB}"/>
+              </a:ext>
+            </a:extLst>
+          </p:cNvPr>
+          <p:cNvSpPr txBox="1"/>
+          <p:nvPr/>
+        </p:nvSpPr>
+        <p:spPr>
+          <a:xfrm>
+            <a:off x="232299" y="449431"/>
+            <a:ext cx="7838621" cy="369332"/>
+          </a:xfrm>
+          <a:prstGeom prst="rect">
+            <a:avLst/>
+          </a:prstGeom>
+          <a:noFill/>
+        </p:spPr>
+        <p:txBody>
+          <a:bodyPr wrap="none" rtlCol="0">
+            <a:spAutoFit/>
+          </a:bodyPr>
+          <a:lstStyle/>
+          <a:p>
+            <a:pPr marL="0" marR="0" lvl="0" indent="0" algn="l" defTabSz="457200" rtl="0" eaLnBrk="1" fontAlgn="auto" latinLnBrk="0" hangingPunct="1">
+              <a:lnSpc>
+                <a:spcPct val="100000"/>
+              </a:lnSpc>
+              <a:spcBef>
+                <a:spcPts val="0"/>
+              </a:spcBef>
+              <a:spcAft>
+                <a:spcPts val="0"/>
+              </a:spcAft>
+              <a:buClrTx/>
+              <a:buSzTx/>
+              <a:buFontTx/>
+              <a:buNone/>
+              <a:tabLst/>
+              <a:defRPr/>
+            </a:pPr>
+            <a:r>
+              <a:rPr kumimoji="0" lang="en-US" sz="1800" b="0" i="0" u="none" strike="noStrike" kern="1200" cap="none" spc="0" normalizeH="0" baseline="0" noProof="0" dirty="0">
+                <a:ln>
+                  <a:noFill/>
+                </a:ln>
+                <a:solidFill>
+                  <a:prstClr val="white"/>
+                </a:solidFill>
+                <a:effectLst/>
+                <a:uLnTx/>
+                <a:uFillTx/>
+                <a:latin typeface="Microsoft YaHei Light" panose="020B0503020204020204" pitchFamily="34" charset="-122"/>
+                <a:ea typeface="Microsoft YaHei Light" panose="020B0503020204020204" pitchFamily="34" charset="-122"/>
+                <a:cs typeface="+mn-cs"/>
+              </a:rPr>
+              <a:t>Remove attraction points that are too close to node and reassign the rest.</a:t>
+            </a:r>
+          </a:p>
+        </p:txBody>
+      </p:sp>
+      <p:sp>
+        <p:nvSpPr>
+          <p:cNvPr id="28" name="TextBox 27">
+            <a:extLst>
+              <a:ext uri="{FF2B5EF4-FFF2-40B4-BE49-F238E27FC236}">
+                <a16:creationId xmlns:a16="http://schemas.microsoft.com/office/drawing/2014/main" id="{2D55720D-1EDA-4C98-A4E0-B856CE4A3392}"/>
+              </a:ext>
+            </a:extLst>
+          </p:cNvPr>
+          <p:cNvSpPr txBox="1"/>
+          <p:nvPr/>
+        </p:nvSpPr>
+        <p:spPr>
+          <a:xfrm>
+            <a:off x="1297620" y="2762782"/>
+            <a:ext cx="3948517" cy="369332"/>
+          </a:xfrm>
+          <a:prstGeom prst="rect">
+            <a:avLst/>
+          </a:prstGeom>
+          <a:noFill/>
+        </p:spPr>
+        <p:txBody>
+          <a:bodyPr wrap="none" rtlCol="0">
+            <a:spAutoFit/>
+          </a:bodyPr>
+          <a:lstStyle/>
+          <a:p>
+            <a:pPr marL="0" marR="0" lvl="0" indent="0" algn="l" defTabSz="457200" rtl="0" eaLnBrk="1" fontAlgn="auto" latinLnBrk="0" hangingPunct="1">
+              <a:lnSpc>
+                <a:spcPct val="100000"/>
+              </a:lnSpc>
+              <a:spcBef>
+                <a:spcPts val="0"/>
+              </a:spcBef>
+              <a:spcAft>
+                <a:spcPts val="0"/>
+              </a:spcAft>
+              <a:buClrTx/>
+              <a:buSzTx/>
+              <a:buFontTx/>
+              <a:buNone/>
+              <a:tabLst/>
+              <a:defRPr/>
+            </a:pPr>
+            <a:r>
+              <a:rPr kumimoji="0" lang="en-US" sz="1800" b="0" i="0" u="none" strike="noStrike" kern="1200" cap="none" spc="0" normalizeH="0" baseline="0" noProof="0" dirty="0">
+                <a:ln>
+                  <a:noFill/>
+                </a:ln>
+                <a:solidFill>
+                  <a:prstClr val="white"/>
+                </a:solidFill>
+                <a:effectLst/>
+                <a:uLnTx/>
+                <a:uFillTx/>
+                <a:latin typeface="Microsoft YaHei Light" panose="020B0503020204020204" pitchFamily="34" charset="-122"/>
+                <a:ea typeface="Microsoft YaHei Light" panose="020B0503020204020204" pitchFamily="34" charset="-122"/>
+                <a:cs typeface="+mn-cs"/>
+              </a:rPr>
+              <a:t>Add the candidate to the waiting list</a:t>
+            </a:r>
+          </a:p>
+        </p:txBody>
+      </p:sp>
+      <p:sp>
+        <p:nvSpPr>
+          <p:cNvPr id="30" name="TextBox 29">
+            <a:extLst>
+              <a:ext uri="{FF2B5EF4-FFF2-40B4-BE49-F238E27FC236}">
+                <a16:creationId xmlns:a16="http://schemas.microsoft.com/office/drawing/2014/main" id="{0D9632E4-B03C-460E-984A-5F00DFFE1CDF}"/>
+              </a:ext>
+            </a:extLst>
+          </p:cNvPr>
+          <p:cNvSpPr txBox="1"/>
+          <p:nvPr/>
+        </p:nvSpPr>
+        <p:spPr>
+          <a:xfrm>
+            <a:off x="794260" y="3251490"/>
+            <a:ext cx="7363777" cy="646331"/>
+          </a:xfrm>
+          <a:prstGeom prst="rect">
+            <a:avLst/>
+          </a:prstGeom>
+          <a:noFill/>
+        </p:spPr>
+        <p:txBody>
+          <a:bodyPr wrap="square">
+            <a:spAutoFit/>
+          </a:bodyPr>
+          <a:lstStyle/>
+          <a:p>
+            <a:pPr marL="0" marR="0" lvl="0" indent="0" algn="l" defTabSz="457200" rtl="0" eaLnBrk="1" fontAlgn="auto" latinLnBrk="0" hangingPunct="1">
+              <a:lnSpc>
+                <a:spcPct val="100000"/>
+              </a:lnSpc>
+              <a:spcBef>
+                <a:spcPts val="0"/>
+              </a:spcBef>
+              <a:spcAft>
+                <a:spcPts val="0"/>
+              </a:spcAft>
+              <a:buClrTx/>
+              <a:buSzTx/>
+              <a:buFontTx/>
+              <a:buNone/>
+              <a:tabLst/>
+              <a:defRPr/>
+            </a:pPr>
+            <a:r>
+              <a:rPr kumimoji="0" lang="en-US" sz="1800" b="0" i="0" u="none" strike="noStrike" kern="1200" cap="none" spc="0" normalizeH="0" baseline="0" noProof="0" dirty="0">
+                <a:ln>
+                  <a:noFill/>
+                </a:ln>
+                <a:solidFill>
+                  <a:prstClr val="white"/>
+                </a:solidFill>
+                <a:effectLst/>
+                <a:uLnTx/>
+                <a:uFillTx/>
+                <a:latin typeface="Microsoft YaHei Light" panose="020B0503020204020204" pitchFamily="34" charset="-122"/>
+                <a:ea typeface="Microsoft YaHei Light" panose="020B0503020204020204" pitchFamily="34" charset="-122"/>
+                <a:cs typeface="+mn-cs"/>
+              </a:rPr>
+              <a:t>Calculate the number of internodes should flush based on kill and grow probability, N.</a:t>
+            </a:r>
+          </a:p>
+        </p:txBody>
+      </p:sp>
+      <p:sp>
+        <p:nvSpPr>
+          <p:cNvPr id="31" name="TextBox 30">
+            <a:extLst>
+              <a:ext uri="{FF2B5EF4-FFF2-40B4-BE49-F238E27FC236}">
+                <a16:creationId xmlns:a16="http://schemas.microsoft.com/office/drawing/2014/main" id="{D69F9BB2-0F9A-439A-80B2-FBE1C8772869}"/>
+              </a:ext>
+            </a:extLst>
+          </p:cNvPr>
+          <p:cNvSpPr txBox="1"/>
+          <p:nvPr/>
+        </p:nvSpPr>
+        <p:spPr>
+          <a:xfrm>
+            <a:off x="794260" y="3940295"/>
+            <a:ext cx="6796437" cy="646331"/>
+          </a:xfrm>
+          <a:prstGeom prst="rect">
+            <a:avLst/>
+          </a:prstGeom>
+          <a:noFill/>
+        </p:spPr>
+        <p:txBody>
+          <a:bodyPr wrap="square">
+            <a:spAutoFit/>
+          </a:bodyPr>
+          <a:lstStyle/>
+          <a:p>
+            <a:pPr marL="0" marR="0" lvl="0" indent="0" algn="l" defTabSz="457200" rtl="0" eaLnBrk="1" fontAlgn="auto" latinLnBrk="0" hangingPunct="1">
+              <a:lnSpc>
+                <a:spcPct val="100000"/>
+              </a:lnSpc>
+              <a:spcBef>
+                <a:spcPts val="0"/>
+              </a:spcBef>
+              <a:spcAft>
+                <a:spcPts val="0"/>
+              </a:spcAft>
+              <a:buClrTx/>
+              <a:buSzTx/>
+              <a:buFontTx/>
+              <a:buNone/>
+              <a:tabLst/>
+              <a:defRPr/>
+            </a:pPr>
+            <a:r>
+              <a:rPr kumimoji="0" lang="en-US" sz="1800" b="0" i="0" u="none" strike="noStrike" kern="1200" cap="none" spc="0" normalizeH="0" baseline="0" noProof="0" dirty="0">
+                <a:ln>
+                  <a:noFill/>
+                </a:ln>
+                <a:solidFill>
+                  <a:prstClr val="white"/>
+                </a:solidFill>
+                <a:effectLst/>
+                <a:uLnTx/>
+                <a:uFillTx/>
+                <a:latin typeface="Microsoft YaHei Light" panose="020B0503020204020204" pitchFamily="34" charset="-122"/>
+                <a:ea typeface="Microsoft YaHei Light" panose="020B0503020204020204" pitchFamily="34" charset="-122"/>
+                <a:cs typeface="+mn-cs"/>
+              </a:rPr>
+              <a:t>Retrieve the desired growth direction from based on space colonization</a:t>
+            </a:r>
+          </a:p>
+        </p:txBody>
+      </p:sp>
+      <p:sp>
+        <p:nvSpPr>
+          <p:cNvPr id="34" name="TextBox 33">
+            <a:extLst>
+              <a:ext uri="{FF2B5EF4-FFF2-40B4-BE49-F238E27FC236}">
+                <a16:creationId xmlns:a16="http://schemas.microsoft.com/office/drawing/2014/main" id="{67FC62BB-CF2C-4D5E-82F8-D801619F1E23}"/>
+              </a:ext>
+            </a:extLst>
+          </p:cNvPr>
+          <p:cNvSpPr txBox="1"/>
+          <p:nvPr/>
+        </p:nvSpPr>
+        <p:spPr>
+          <a:xfrm>
+            <a:off x="831198" y="5448192"/>
+            <a:ext cx="3422604" cy="369332"/>
+          </a:xfrm>
+          <a:prstGeom prst="rect">
+            <a:avLst/>
+          </a:prstGeom>
+          <a:noFill/>
+        </p:spPr>
+        <p:txBody>
+          <a:bodyPr wrap="none" rtlCol="0">
+            <a:spAutoFit/>
+          </a:bodyPr>
+          <a:lstStyle/>
+          <a:p>
+            <a:r>
+              <a:rPr lang="en-US" dirty="0">
+                <a:latin typeface="Microsoft YaHei Light" panose="020B0503020204020204" pitchFamily="34" charset="-122"/>
+                <a:ea typeface="Microsoft YaHei Light" panose="020B0503020204020204" pitchFamily="34" charset="-122"/>
+              </a:rPr>
+              <a:t>Deactivate current bud if N &gt; 0</a:t>
+            </a:r>
+          </a:p>
+        </p:txBody>
+      </p:sp>
+      <p:sp>
+        <p:nvSpPr>
+          <p:cNvPr id="36" name="TextBox 35">
+            <a:extLst>
+              <a:ext uri="{FF2B5EF4-FFF2-40B4-BE49-F238E27FC236}">
+                <a16:creationId xmlns:a16="http://schemas.microsoft.com/office/drawing/2014/main" id="{B4DEC433-17A4-4BD5-8177-1B3F4256EE48}"/>
+              </a:ext>
+            </a:extLst>
+          </p:cNvPr>
+          <p:cNvSpPr txBox="1"/>
+          <p:nvPr/>
+        </p:nvSpPr>
+        <p:spPr>
+          <a:xfrm>
+            <a:off x="823247" y="5812390"/>
+            <a:ext cx="4566443" cy="369332"/>
+          </a:xfrm>
+          <a:prstGeom prst="rect">
+            <a:avLst/>
+          </a:prstGeom>
+          <a:noFill/>
+        </p:spPr>
+        <p:txBody>
+          <a:bodyPr wrap="none" rtlCol="0">
+            <a:spAutoFit/>
+          </a:bodyPr>
+          <a:lstStyle/>
+          <a:p>
+            <a:r>
+              <a:rPr lang="en-US" dirty="0">
+                <a:latin typeface="Microsoft YaHei Light" panose="020B0503020204020204" pitchFamily="34" charset="-122"/>
+                <a:ea typeface="Microsoft YaHei Light" panose="020B0503020204020204" pitchFamily="34" charset="-122"/>
+              </a:rPr>
+              <a:t>Add inhibitor to current internode if N &gt; 0</a:t>
+            </a:r>
+          </a:p>
+        </p:txBody>
+      </p:sp>
+    </p:spTree>
+    <p:extLst>
+      <p:ext uri="{BB962C8B-B14F-4D97-AF65-F5344CB8AC3E}">
+        <p14:creationId xmlns:p14="http://schemas.microsoft.com/office/powerpoint/2010/main" val="355547543"/>
+      </p:ext>
+    </p:extLst>
+  </p:cSld>
+  <p:clrMapOvr>
+    <a:masterClrMapping/>
+  </p:clrMapOvr>
+</p:sld>
+</file>
+
 <file path=ppt/theme/theme1.xml><?xml version="1.0" encoding="utf-8"?>
 <a:theme xmlns:a="http://schemas.openxmlformats.org/drawingml/2006/main" name="View">
   <a:themeElements>
